--- a/Recruitment Proceess Presentaion.pptx
+++ b/Recruitment Proceess Presentaion.pptx
@@ -363,7 +363,7 @@
           <a:p>
             <a:fld id="{9184DA70-C731-4C70-880D-CCD4705E623C}" type="datetime1">
               <a:rPr lang="en-US" smtClean="0"/>
-              <a:t>6/2/2020</a:t>
+              <a:t>6/3/2020</a:t>
             </a:fld>
             <a:endParaRPr lang="en-US" dirty="0"/>
           </a:p>
@@ -551,7 +551,7 @@
           <a:p>
             <a:fld id="{4BE1D723-8F53-4F53-90B0-1982A396982E}" type="datetime1">
               <a:rPr lang="en-US" smtClean="0"/>
-              <a:t>6/2/2020</a:t>
+              <a:t>6/3/2020</a:t>
             </a:fld>
             <a:endParaRPr lang="en-US" dirty="0"/>
           </a:p>
@@ -924,7 +924,7 @@
           <a:p>
             <a:fld id="{97669AF7-7BEB-44E4-9852-375E34362B5B}" type="datetime1">
               <a:rPr lang="en-US" smtClean="0"/>
-              <a:t>6/2/2020</a:t>
+              <a:t>6/3/2020</a:t>
             </a:fld>
             <a:endParaRPr lang="en-US" dirty="0"/>
           </a:p>
@@ -1179,7 +1179,7 @@
           <a:p>
             <a:fld id="{BAAAC38D-0552-4C82-B593-E6124DFADBE2}" type="datetime1">
               <a:rPr lang="en-US" smtClean="0"/>
-              <a:t>6/2/2020</a:t>
+              <a:t>6/3/2020</a:t>
             </a:fld>
             <a:endParaRPr lang="en-US" dirty="0"/>
           </a:p>
@@ -1576,7 +1576,7 @@
           <a:p>
             <a:fld id="{D9DF0F1C-5577-4ACB-BB62-DF8F3C494C7E}" type="datetime1">
               <a:rPr lang="en-US" smtClean="0"/>
-              <a:t>6/2/2020</a:t>
+              <a:t>6/3/2020</a:t>
             </a:fld>
             <a:endParaRPr lang="en-US" dirty="0"/>
           </a:p>
@@ -1712,7 +1712,7 @@
           <a:p>
             <a:fld id="{1775B394-D9F9-4F0C-B15D-605F45CB9E9F}" type="datetime1">
               <a:rPr lang="en-US" smtClean="0"/>
-              <a:t>6/2/2020</a:t>
+              <a:t>6/3/2020</a:t>
             </a:fld>
             <a:endParaRPr lang="en-US" dirty="0"/>
           </a:p>
@@ -1869,7 +1869,7 @@
           <a:p>
             <a:fld id="{39667345-2558-425A-8533-9BFDBCE15005}" type="datetime1">
               <a:rPr lang="en-US" smtClean="0"/>
-              <a:t>6/2/2020</a:t>
+              <a:t>6/3/2020</a:t>
             </a:fld>
             <a:endParaRPr lang="en-US" dirty="0"/>
           </a:p>
@@ -2198,7 +2198,7 @@
           <a:p>
             <a:fld id="{92BEA474-078D-4E9B-9B14-09A87B19DC46}" type="datetime1">
               <a:rPr lang="en-US" smtClean="0"/>
-              <a:t>6/2/2020</a:t>
+              <a:t>6/3/2020</a:t>
             </a:fld>
             <a:endParaRPr lang="en-US" dirty="0"/>
           </a:p>
@@ -2548,7 +2548,7 @@
           <a:p>
             <a:fld id="{4907D986-8816-4272-A432-0437A28A9828}" type="datetime1">
               <a:rPr lang="en-US" smtClean="0"/>
-              <a:t>6/2/2020</a:t>
+              <a:t>6/3/2020</a:t>
             </a:fld>
             <a:endParaRPr lang="en-US" dirty="0"/>
           </a:p>
@@ -2809,7 +2809,7 @@
           <a:p>
             <a:fld id="{62D6E202-B606-4609-B914-27C9371A1F6D}" type="datetime1">
               <a:rPr lang="en-US" smtClean="0"/>
-              <a:t>6/2/2020</a:t>
+              <a:t>6/3/2020</a:t>
             </a:fld>
             <a:endParaRPr lang="en-US" dirty="0"/>
           </a:p>
@@ -3932,31 +3932,193 @@
           </a:p>
         </p:txBody>
       </p:sp>
-      <p:sp>
-        <p:nvSpPr>
-          <p:cNvPr id="3" name="Content Placeholder 2">
+      <p:pic>
+        <p:nvPicPr>
+          <p:cNvPr id="5" name="Content Placeholder 4">
             <a:extLst>
               <a:ext uri="{FF2B5EF4-FFF2-40B4-BE49-F238E27FC236}">
-                <a16:creationId xmlns:a16="http://schemas.microsoft.com/office/drawing/2014/main" id="{0715999E-C468-415E-8384-46551905D18E}"/>
+                <a16:creationId xmlns:a16="http://schemas.microsoft.com/office/drawing/2014/main" id="{E63D43F1-1916-43A5-9D0C-99142B2E5991}"/>
               </a:ext>
             </a:extLst>
           </p:cNvPr>
-          <p:cNvSpPr>
-            <a:spLocks noGrp="1"/>
-          </p:cNvSpPr>
+          <p:cNvPicPr>
+            <a:picLocks noGrp="1" noChangeAspect="1"/>
+          </p:cNvPicPr>
           <p:nvPr>
             <p:ph idx="1"/>
           </p:nvPr>
-        </p:nvSpPr>
-        <p:spPr/>
-        <p:txBody>
-          <a:bodyPr/>
+        </p:nvPicPr>
+        <p:blipFill>
+          <a:blip r:embed="rId2"/>
+          <a:stretch>
+            <a:fillRect/>
+          </a:stretch>
+        </p:blipFill>
+        <p:spPr>
+          <a:xfrm>
+            <a:off x="1097280" y="2950950"/>
+            <a:ext cx="6238078" cy="2443859"/>
+          </a:xfrm>
+        </p:spPr>
+      </p:pic>
+      <p:sp>
+        <p:nvSpPr>
+          <p:cNvPr id="7" name="TextBox 6">
+            <a:extLst>
+              <a:ext uri="{FF2B5EF4-FFF2-40B4-BE49-F238E27FC236}">
+                <a16:creationId xmlns:a16="http://schemas.microsoft.com/office/drawing/2014/main" id="{D44D6B52-3C30-4E0D-9E3C-F743403FEF6D}"/>
+              </a:ext>
+            </a:extLst>
+          </p:cNvPr>
+          <p:cNvSpPr txBox="1"/>
+          <p:nvPr/>
+        </p:nvSpPr>
+        <p:spPr>
+          <a:xfrm>
+            <a:off x="7487920" y="2466828"/>
+            <a:ext cx="4114800" cy="2927981"/>
+          </a:xfrm>
+          <a:prstGeom prst="rect">
+            <a:avLst/>
+          </a:prstGeom>
+          <a:noFill/>
+        </p:spPr>
+        <p:txBody>
+          <a:bodyPr wrap="square" rtlCol="0">
+            <a:spAutoFit/>
+          </a:bodyPr>
           <a:lstStyle/>
           <a:p>
             <a:r>
-              <a:rPr lang="en-GB" dirty="0"/>
-              <a:t>Explain or paste the model </a:t>
-            </a:r>
+              <a:rPr lang="en-GB" b="1" dirty="0"/>
+              <a:t>As . Is Process partners</a:t>
+            </a:r>
+          </a:p>
+          <a:p>
+            <a:endParaRPr lang="en-GB" dirty="0"/>
+          </a:p>
+          <a:p>
+            <a:pPr marL="91440" indent="-91440">
+              <a:lnSpc>
+                <a:spcPct val="110000"/>
+              </a:lnSpc>
+              <a:spcBef>
+                <a:spcPts val="1200"/>
+              </a:spcBef>
+              <a:spcAft>
+                <a:spcPts val="200"/>
+              </a:spcAft>
+              <a:buClr>
+                <a:schemeClr val="accent1"/>
+              </a:buClr>
+              <a:buSzPct val="100000"/>
+              <a:buFont typeface="Wingdings" panose="05000000000000000000" pitchFamily="2" charset="2"/>
+              <a:buChar char="q"/>
+            </a:pPr>
+            <a:r>
+              <a:rPr lang="en-GB" sz="1900" dirty="0">
+                <a:solidFill>
+                  <a:schemeClr val="tx1">
+                    <a:lumMod val="75000"/>
+                    <a:lumOff val="25000"/>
+                  </a:schemeClr>
+                </a:solidFill>
+              </a:rPr>
+              <a:t>Networking</a:t>
+            </a:r>
+          </a:p>
+          <a:p>
+            <a:pPr marL="91440" indent="-91440">
+              <a:lnSpc>
+                <a:spcPct val="110000"/>
+              </a:lnSpc>
+              <a:spcBef>
+                <a:spcPts val="1200"/>
+              </a:spcBef>
+              <a:spcAft>
+                <a:spcPts val="200"/>
+              </a:spcAft>
+              <a:buClr>
+                <a:schemeClr val="accent1"/>
+              </a:buClr>
+              <a:buSzPct val="100000"/>
+              <a:buFont typeface="Wingdings" panose="05000000000000000000" pitchFamily="2" charset="2"/>
+              <a:buChar char="q"/>
+            </a:pPr>
+            <a:r>
+              <a:rPr lang="en-GB" sz="1900" dirty="0">
+                <a:solidFill>
+                  <a:schemeClr val="tx1">
+                    <a:lumMod val="75000"/>
+                    <a:lumOff val="25000"/>
+                  </a:schemeClr>
+                </a:solidFill>
+              </a:rPr>
+              <a:t>Job sites</a:t>
+            </a:r>
+          </a:p>
+          <a:p>
+            <a:pPr marL="91440" indent="-91440">
+              <a:lnSpc>
+                <a:spcPct val="110000"/>
+              </a:lnSpc>
+              <a:spcBef>
+                <a:spcPts val="1200"/>
+              </a:spcBef>
+              <a:spcAft>
+                <a:spcPts val="200"/>
+              </a:spcAft>
+              <a:buClr>
+                <a:schemeClr val="accent1"/>
+              </a:buClr>
+              <a:buSzPct val="100000"/>
+              <a:buFont typeface="Wingdings" panose="05000000000000000000" pitchFamily="2" charset="2"/>
+              <a:buChar char="q"/>
+            </a:pPr>
+            <a:r>
+              <a:rPr lang="en-GB" sz="1900" dirty="0">
+                <a:solidFill>
+                  <a:schemeClr val="tx1">
+                    <a:lumMod val="75000"/>
+                    <a:lumOff val="25000"/>
+                  </a:schemeClr>
+                </a:solidFill>
+              </a:rPr>
+              <a:t>External resourcing consultancies</a:t>
+            </a:r>
+          </a:p>
+          <a:p>
+            <a:pPr marL="91440" indent="-91440">
+              <a:lnSpc>
+                <a:spcPct val="110000"/>
+              </a:lnSpc>
+              <a:spcBef>
+                <a:spcPts val="1200"/>
+              </a:spcBef>
+              <a:spcAft>
+                <a:spcPts val="200"/>
+              </a:spcAft>
+              <a:buClr>
+                <a:schemeClr val="accent1"/>
+              </a:buClr>
+              <a:buSzPct val="100000"/>
+              <a:buFont typeface="Wingdings" panose="05000000000000000000" pitchFamily="2" charset="2"/>
+              <a:buChar char="q"/>
+            </a:pPr>
+            <a:r>
+              <a:rPr lang="en-GB" sz="1900" dirty="0">
+                <a:solidFill>
+                  <a:schemeClr val="tx1">
+                    <a:lumMod val="75000"/>
+                    <a:lumOff val="25000"/>
+                  </a:schemeClr>
+                </a:solidFill>
+              </a:rPr>
+              <a:t>News papers </a:t>
+            </a:r>
+          </a:p>
+          <a:p>
+            <a:endParaRPr lang="en-GB" dirty="0"/>
           </a:p>
         </p:txBody>
       </p:sp>
@@ -4036,7 +4198,9 @@
         </p:nvSpPr>
         <p:spPr/>
         <p:txBody>
-          <a:bodyPr/>
+          <a:bodyPr>
+            <a:normAutofit/>
+          </a:bodyPr>
           <a:lstStyle/>
           <a:p>
             <a:pPr>
@@ -4055,7 +4219,7 @@
             </a:pPr>
             <a:r>
               <a:rPr lang="en-GB" dirty="0"/>
-              <a:t> Unable to focus on hiring skilled consultants </a:t>
+              <a:t> No real time view on the whole process</a:t>
             </a:r>
           </a:p>
           <a:p>
@@ -4065,7 +4229,7 @@
             </a:pPr>
             <a:r>
               <a:rPr lang="en-GB" dirty="0"/>
-              <a:t> Time Consuming   </a:t>
+              <a:t>Inefficient talent sourcing in regards of total time taken and costs incurred</a:t>
             </a:r>
           </a:p>
           <a:p>
@@ -4075,7 +4239,7 @@
             </a:pPr>
             <a:r>
               <a:rPr lang="en-GB" dirty="0"/>
-              <a:t> Unable to build effective talent pool</a:t>
+              <a:t>Building talent pools proactively</a:t>
             </a:r>
           </a:p>
           <a:p>
@@ -4085,7 +4249,17 @@
             </a:pPr>
             <a:r>
               <a:rPr lang="en-GB" dirty="0"/>
-              <a:t> Less Competitive </a:t>
+              <a:t>Unable to focus on hiring skilled consultants </a:t>
+            </a:r>
+          </a:p>
+          <a:p>
+            <a:pPr>
+              <a:buFont typeface="Wingdings" panose="05000000000000000000" pitchFamily="2" charset="2"/>
+              <a:buChar char="q"/>
+            </a:pPr>
+            <a:r>
+              <a:rPr lang="en-GB" dirty="0"/>
+              <a:t>Less Competitive </a:t>
             </a:r>
           </a:p>
           <a:p>
@@ -4271,7 +4445,7 @@
             </a:pPr>
             <a:r>
               <a:rPr lang="en-GB" dirty="0"/>
-              <a:t> Generate Candidates score based on skill-sets therefore unable to recruit high-skilled employees</a:t>
+              <a:t> Generate Candidates score based on skill-sets therefore able to recruit high-skilled employees</a:t>
             </a:r>
           </a:p>
           <a:p>
@@ -5133,24 +5307,6 @@
 </file>
 
 <file path=customXml/item1.xml><?xml version="1.0" encoding="utf-8"?>
-<p:properties xmlns:p="http://schemas.microsoft.com/office/2006/metadata/properties" xmlns:xsi="http://www.w3.org/2001/XMLSchema-instance" xmlns:pc="http://schemas.microsoft.com/office/infopath/2007/PartnerControls">
-  <documentManagement>
-    <Status xmlns="71af3243-3dd4-4a8d-8c0d-dd76da1f02a5">Not started</Status>
-    <MediaServiceKeyPoints xmlns="71af3243-3dd4-4a8d-8c0d-dd76da1f02a5" xsi:nil="true"/>
-  </documentManagement>
-</p:properties>
-</file>
-
-<file path=customXml/item2.xml><?xml version="1.0" encoding="utf-8"?>
-<?mso-contentType ?>
-<FormTemplates xmlns="http://schemas.microsoft.com/sharepoint/v3/contenttype/forms">
-  <Display>DocumentLibraryForm</Display>
-  <Edit>DocumentLibraryForm</Edit>
-  <New>DocumentLibraryForm</New>
-</FormTemplates>
-</file>
-
-<file path=customXml/item3.xml><?xml version="1.0" encoding="utf-8"?>
 <ct:contentTypeSchema xmlns:ct="http://schemas.microsoft.com/office/2006/metadata/contentType" xmlns:ma="http://schemas.microsoft.com/office/2006/metadata/properties/metaAttributes" ct:_="" ma:_="" ma:contentTypeName="Document" ma:contentTypeID="0x01010079F111ED35F8CC479449609E8A0923A6" ma:contentTypeVersion="12" ma:contentTypeDescription="Create a new document." ma:contentTypeScope="" ma:versionID="a410dd7f93c95333ffa1b60ed6adedd1">
   <xsd:schema xmlns:xsd="http://www.w3.org/2001/XMLSchema" xmlns:xs="http://www.w3.org/2001/XMLSchema" xmlns:p="http://schemas.microsoft.com/office/2006/metadata/properties" xmlns:ns2="71af3243-3dd4-4a8d-8c0d-dd76da1f02a5" xmlns:ns3="16c05727-aa75-4e4a-9b5f-8a80a1165891" targetNamespace="http://schemas.microsoft.com/office/2006/metadata/properties" ma:root="true" ma:fieldsID="a936d9baba76aa3866493feff160faab" ns2:_="" ns3:_="">
     <xsd:import namespace="71af3243-3dd4-4a8d-8c0d-dd76da1f02a5"/>
@@ -5371,25 +5527,25 @@
 </ct:contentTypeSchema>
 </file>
 
-<file path=customXml/itemProps1.xml><?xml version="1.0" encoding="utf-8"?>
-<ds:datastoreItem xmlns:ds="http://schemas.openxmlformats.org/officeDocument/2006/customXml" ds:itemID="{A03EEFF0-FB57-4CB4-8BFC-DF397689E2ED}">
-  <ds:schemaRefs>
-    <ds:schemaRef ds:uri="http://schemas.microsoft.com/office/2006/metadata/properties"/>
-    <ds:schemaRef ds:uri="http://schemas.microsoft.com/office/infopath/2007/PartnerControls"/>
-    <ds:schemaRef ds:uri="71af3243-3dd4-4a8d-8c0d-dd76da1f02a5"/>
-  </ds:schemaRefs>
-</ds:datastoreItem>
+<file path=customXml/item2.xml><?xml version="1.0" encoding="utf-8"?>
+<?mso-contentType ?>
+<FormTemplates xmlns="http://schemas.microsoft.com/sharepoint/v3/contenttype/forms">
+  <Display>DocumentLibraryForm</Display>
+  <Edit>DocumentLibraryForm</Edit>
+  <New>DocumentLibraryForm</New>
+</FormTemplates>
 </file>
 
-<file path=customXml/itemProps2.xml><?xml version="1.0" encoding="utf-8"?>
-<ds:datastoreItem xmlns:ds="http://schemas.openxmlformats.org/officeDocument/2006/customXml" ds:itemID="{AA3F7EDC-E5B4-4BBC-9D2A-CBE6D46C37AD}">
-  <ds:schemaRefs>
-    <ds:schemaRef ds:uri="http://schemas.microsoft.com/sharepoint/v3/contenttype/forms"/>
-  </ds:schemaRefs>
-</ds:datastoreItem>
+<file path=customXml/item3.xml><?xml version="1.0" encoding="utf-8"?>
+<p:properties xmlns:p="http://schemas.microsoft.com/office/2006/metadata/properties" xmlns:xsi="http://www.w3.org/2001/XMLSchema-instance" xmlns:pc="http://schemas.microsoft.com/office/infopath/2007/PartnerControls">
+  <documentManagement>
+    <Status xmlns="71af3243-3dd4-4a8d-8c0d-dd76da1f02a5">Not started</Status>
+    <MediaServiceKeyPoints xmlns="71af3243-3dd4-4a8d-8c0d-dd76da1f02a5" xsi:nil="true"/>
+  </documentManagement>
+</p:properties>
 </file>
 
-<file path=customXml/itemProps3.xml><?xml version="1.0" encoding="utf-8"?>
+<file path=customXml/itemProps1.xml><?xml version="1.0" encoding="utf-8"?>
 <ds:datastoreItem xmlns:ds="http://schemas.openxmlformats.org/officeDocument/2006/customXml" ds:itemID="{93932EF5-314F-409E-8020-FEE5FA0795B9}">
   <ds:schemaRefs>
     <ds:schemaRef ds:uri="http://schemas.microsoft.com/office/2006/metadata/contentType"/>
@@ -5406,4 +5562,22 @@
     <ds:schemaRef ds:uri="http://schemas.microsoft.com/internal/obd"/>
   </ds:schemaRefs>
 </ds:datastoreItem>
+</file>
+
+<file path=customXml/itemProps2.xml><?xml version="1.0" encoding="utf-8"?>
+<ds:datastoreItem xmlns:ds="http://schemas.openxmlformats.org/officeDocument/2006/customXml" ds:itemID="{AA3F7EDC-E5B4-4BBC-9D2A-CBE6D46C37AD}">
+  <ds:schemaRefs>
+    <ds:schemaRef ds:uri="http://schemas.microsoft.com/sharepoint/v3/contenttype/forms"/>
+  </ds:schemaRefs>
+</ds:datastoreItem>
+</file>
+
+<file path=customXml/itemProps3.xml><?xml version="1.0" encoding="utf-8"?>
+<ds:datastoreItem xmlns:ds="http://schemas.openxmlformats.org/officeDocument/2006/customXml" ds:itemID="{A03EEFF0-FB57-4CB4-8BFC-DF397689E2ED}">
+  <ds:schemaRefs>
+    <ds:schemaRef ds:uri="http://schemas.microsoft.com/office/2006/metadata/properties"/>
+    <ds:schemaRef ds:uri="http://schemas.microsoft.com/office/infopath/2007/PartnerControls"/>
+    <ds:schemaRef ds:uri="71af3243-3dd4-4a8d-8c0d-dd76da1f02a5"/>
+  </ds:schemaRefs>
+</ds:datastoreItem>
 </file>